--- a/POWERPOINT AKYA.pptx
+++ b/POWERPOINT AKYA.pptx
@@ -5214,6 +5214,18 @@
   <p:clrMapOvr>
     <a:masterClrMapping/>
   </p:clrMapOvr>
+  <mc:AlternateContent xmlns:mc="http://schemas.openxmlformats.org/markup-compatibility/2006">
+    <mc:Choice xmlns:p15="http://schemas.microsoft.com/office/powerpoint/2012/main" Requires="p15">
+      <p:transition xmlns:p14="http://schemas.microsoft.com/office/powerpoint/2010/main" spd="slow" p14:dur="1250">
+        <p15:prstTrans prst="peelOff"/>
+      </p:transition>
+    </mc:Choice>
+    <mc:Fallback>
+      <p:transition spd="slow">
+        <p:fade/>
+      </p:transition>
+    </mc:Fallback>
+  </mc:AlternateContent>
 </p:sldLayout>
 </file>
 
@@ -5417,6 +5429,18 @@
   <p:clrMapOvr>
     <a:masterClrMapping/>
   </p:clrMapOvr>
+  <mc:AlternateContent xmlns:mc="http://schemas.openxmlformats.org/markup-compatibility/2006">
+    <mc:Choice xmlns:p15="http://schemas.microsoft.com/office/powerpoint/2012/main" Requires="p15">
+      <p:transition xmlns:p14="http://schemas.microsoft.com/office/powerpoint/2010/main" spd="slow" p14:dur="1250">
+        <p15:prstTrans prst="peelOff"/>
+      </p:transition>
+    </mc:Choice>
+    <mc:Fallback>
+      <p:transition spd="slow">
+        <p:fade/>
+      </p:transition>
+    </mc:Fallback>
+  </mc:AlternateContent>
 </p:sldLayout>
 </file>
 
@@ -5630,6 +5654,18 @@
   <p:clrMapOvr>
     <a:masterClrMapping/>
   </p:clrMapOvr>
+  <mc:AlternateContent xmlns:mc="http://schemas.openxmlformats.org/markup-compatibility/2006">
+    <mc:Choice xmlns:p15="http://schemas.microsoft.com/office/powerpoint/2012/main" Requires="p15">
+      <p:transition xmlns:p14="http://schemas.microsoft.com/office/powerpoint/2010/main" spd="slow" p14:dur="1250">
+        <p15:prstTrans prst="peelOff"/>
+      </p:transition>
+    </mc:Choice>
+    <mc:Fallback>
+      <p:transition spd="slow">
+        <p:fade/>
+      </p:transition>
+    </mc:Fallback>
+  </mc:AlternateContent>
 </p:sldLayout>
 </file>
 
@@ -5833,6 +5869,18 @@
   <p:clrMapOvr>
     <a:masterClrMapping/>
   </p:clrMapOvr>
+  <mc:AlternateContent xmlns:mc="http://schemas.openxmlformats.org/markup-compatibility/2006">
+    <mc:Choice xmlns:p15="http://schemas.microsoft.com/office/powerpoint/2012/main" Requires="p15">
+      <p:transition xmlns:p14="http://schemas.microsoft.com/office/powerpoint/2010/main" spd="slow" p14:dur="1250">
+        <p15:prstTrans prst="peelOff"/>
+      </p:transition>
+    </mc:Choice>
+    <mc:Fallback>
+      <p:transition spd="slow">
+        <p:fade/>
+      </p:transition>
+    </mc:Fallback>
+  </mc:AlternateContent>
 </p:sldLayout>
 </file>
 
@@ -6112,6 +6160,18 @@
   <p:clrMapOvr>
     <a:masterClrMapping/>
   </p:clrMapOvr>
+  <mc:AlternateContent xmlns:mc="http://schemas.openxmlformats.org/markup-compatibility/2006">
+    <mc:Choice xmlns:p15="http://schemas.microsoft.com/office/powerpoint/2012/main" Requires="p15">
+      <p:transition xmlns:p14="http://schemas.microsoft.com/office/powerpoint/2010/main" spd="slow" p14:dur="1250">
+        <p15:prstTrans prst="peelOff"/>
+      </p:transition>
+    </mc:Choice>
+    <mc:Fallback>
+      <p:transition spd="slow">
+        <p:fade/>
+      </p:transition>
+    </mc:Fallback>
+  </mc:AlternateContent>
 </p:sldLayout>
 </file>
 
@@ -6383,6 +6443,18 @@
   <p:clrMapOvr>
     <a:masterClrMapping/>
   </p:clrMapOvr>
+  <mc:AlternateContent xmlns:mc="http://schemas.openxmlformats.org/markup-compatibility/2006">
+    <mc:Choice xmlns:p15="http://schemas.microsoft.com/office/powerpoint/2012/main" Requires="p15">
+      <p:transition xmlns:p14="http://schemas.microsoft.com/office/powerpoint/2010/main" spd="slow" p14:dur="1250">
+        <p15:prstTrans prst="peelOff"/>
+      </p:transition>
+    </mc:Choice>
+    <mc:Fallback>
+      <p:transition spd="slow">
+        <p:fade/>
+      </p:transition>
+    </mc:Fallback>
+  </mc:AlternateContent>
 </p:sldLayout>
 </file>
 
@@ -6801,6 +6873,18 @@
   <p:clrMapOvr>
     <a:masterClrMapping/>
   </p:clrMapOvr>
+  <mc:AlternateContent xmlns:mc="http://schemas.openxmlformats.org/markup-compatibility/2006">
+    <mc:Choice xmlns:p15="http://schemas.microsoft.com/office/powerpoint/2012/main" Requires="p15">
+      <p:transition xmlns:p14="http://schemas.microsoft.com/office/powerpoint/2010/main" spd="slow" p14:dur="1250">
+        <p15:prstTrans prst="peelOff"/>
+      </p:transition>
+    </mc:Choice>
+    <mc:Fallback>
+      <p:transition spd="slow">
+        <p:fade/>
+      </p:transition>
+    </mc:Fallback>
+  </mc:AlternateContent>
 </p:sldLayout>
 </file>
 
@@ -6946,6 +7030,18 @@
   <p:clrMapOvr>
     <a:masterClrMapping/>
   </p:clrMapOvr>
+  <mc:AlternateContent xmlns:mc="http://schemas.openxmlformats.org/markup-compatibility/2006">
+    <mc:Choice xmlns:p15="http://schemas.microsoft.com/office/powerpoint/2012/main" Requires="p15">
+      <p:transition xmlns:p14="http://schemas.microsoft.com/office/powerpoint/2010/main" spd="slow" p14:dur="1250">
+        <p15:prstTrans prst="peelOff"/>
+      </p:transition>
+    </mc:Choice>
+    <mc:Fallback>
+      <p:transition spd="slow">
+        <p:fade/>
+      </p:transition>
+    </mc:Fallback>
+  </mc:AlternateContent>
 </p:sldLayout>
 </file>
 
@@ -7062,6 +7158,18 @@
   <p:clrMapOvr>
     <a:masterClrMapping/>
   </p:clrMapOvr>
+  <mc:AlternateContent xmlns:mc="http://schemas.openxmlformats.org/markup-compatibility/2006">
+    <mc:Choice xmlns:p15="http://schemas.microsoft.com/office/powerpoint/2012/main" Requires="p15">
+      <p:transition xmlns:p14="http://schemas.microsoft.com/office/powerpoint/2010/main" spd="slow" p14:dur="1250">
+        <p15:prstTrans prst="peelOff"/>
+      </p:transition>
+    </mc:Choice>
+    <mc:Fallback>
+      <p:transition spd="slow">
+        <p:fade/>
+      </p:transition>
+    </mc:Fallback>
+  </mc:AlternateContent>
 </p:sldLayout>
 </file>
 
@@ -7378,6 +7486,18 @@
   <p:clrMapOvr>
     <a:masterClrMapping/>
   </p:clrMapOvr>
+  <mc:AlternateContent xmlns:mc="http://schemas.openxmlformats.org/markup-compatibility/2006">
+    <mc:Choice xmlns:p15="http://schemas.microsoft.com/office/powerpoint/2012/main" Requires="p15">
+      <p:transition xmlns:p14="http://schemas.microsoft.com/office/powerpoint/2010/main" spd="slow" p14:dur="1250">
+        <p15:prstTrans prst="peelOff"/>
+      </p:transition>
+    </mc:Choice>
+    <mc:Fallback>
+      <p:transition spd="slow">
+        <p:fade/>
+      </p:transition>
+    </mc:Fallback>
+  </mc:AlternateContent>
 </p:sldLayout>
 </file>
 
@@ -7670,6 +7790,18 @@
   <p:clrMapOvr>
     <a:masterClrMapping/>
   </p:clrMapOvr>
+  <mc:AlternateContent xmlns:mc="http://schemas.openxmlformats.org/markup-compatibility/2006">
+    <mc:Choice xmlns:p15="http://schemas.microsoft.com/office/powerpoint/2012/main" Requires="p15">
+      <p:transition xmlns:p14="http://schemas.microsoft.com/office/powerpoint/2010/main" spd="slow" p14:dur="1250">
+        <p15:prstTrans prst="peelOff"/>
+      </p:transition>
+    </mc:Choice>
+    <mc:Fallback>
+      <p:transition spd="slow">
+        <p:fade/>
+      </p:transition>
+    </mc:Fallback>
+  </mc:AlternateContent>
 </p:sldLayout>
 </file>
 
@@ -7963,6 +8095,18 @@
     <p:sldLayoutId id="2147483658" r:id="rId10"/>
     <p:sldLayoutId id="2147483659" r:id="rId11"/>
   </p:sldLayoutIdLst>
+  <mc:AlternateContent xmlns:mc="http://schemas.openxmlformats.org/markup-compatibility/2006">
+    <mc:Choice xmlns:p15="http://schemas.microsoft.com/office/powerpoint/2012/main" Requires="p15">
+      <p:transition xmlns:p14="http://schemas.microsoft.com/office/powerpoint/2010/main" spd="slow" p14:dur="1250">
+        <p15:prstTrans prst="peelOff"/>
+      </p:transition>
+    </mc:Choice>
+    <mc:Fallback>
+      <p:transition spd="slow">
+        <p:fade/>
+      </p:transition>
+    </mc:Fallback>
+  </mc:AlternateContent>
   <p:hf hdr="0" dt="0"/>
   <p:txStyles>
     <p:titleStyle>
@@ -8435,6 +8579,18 @@
   <p:clrMapOvr>
     <a:masterClrMapping/>
   </p:clrMapOvr>
+  <mc:AlternateContent xmlns:mc="http://schemas.openxmlformats.org/markup-compatibility/2006">
+    <mc:Choice xmlns:p15="http://schemas.microsoft.com/office/powerpoint/2012/main" Requires="p15">
+      <p:transition xmlns:p14="http://schemas.microsoft.com/office/powerpoint/2010/main" spd="slow" p14:dur="1250">
+        <p15:prstTrans prst="peelOff"/>
+      </p:transition>
+    </mc:Choice>
+    <mc:Fallback>
+      <p:transition spd="slow">
+        <p:fade/>
+      </p:transition>
+    </mc:Fallback>
+  </mc:AlternateContent>
 </p:sld>
 </file>
 
@@ -8664,6 +8820,18 @@
   <p:clrMapOvr>
     <a:masterClrMapping/>
   </p:clrMapOvr>
+  <mc:AlternateContent xmlns:mc="http://schemas.openxmlformats.org/markup-compatibility/2006">
+    <mc:Choice xmlns:p15="http://schemas.microsoft.com/office/powerpoint/2012/main" Requires="p15">
+      <p:transition xmlns:p14="http://schemas.microsoft.com/office/powerpoint/2010/main" spd="slow" p14:dur="1250">
+        <p15:prstTrans prst="peelOff"/>
+      </p:transition>
+    </mc:Choice>
+    <mc:Fallback>
+      <p:transition spd="slow">
+        <p:fade/>
+      </p:transition>
+    </mc:Fallback>
+  </mc:AlternateContent>
 </p:sld>
 </file>
 
@@ -8807,6 +8975,18 @@
   <p:clrMapOvr>
     <a:masterClrMapping/>
   </p:clrMapOvr>
+  <mc:AlternateContent xmlns:mc="http://schemas.openxmlformats.org/markup-compatibility/2006">
+    <mc:Choice xmlns:p15="http://schemas.microsoft.com/office/powerpoint/2012/main" Requires="p15">
+      <p:transition xmlns:p14="http://schemas.microsoft.com/office/powerpoint/2010/main" spd="slow" p14:dur="1250">
+        <p15:prstTrans prst="peelOff"/>
+      </p:transition>
+    </mc:Choice>
+    <mc:Fallback>
+      <p:transition spd="slow">
+        <p:fade/>
+      </p:transition>
+    </mc:Fallback>
+  </mc:AlternateContent>
 </p:sld>
 </file>
 
@@ -9423,6 +9603,18 @@
   <p:clrMapOvr>
     <a:masterClrMapping/>
   </p:clrMapOvr>
+  <mc:AlternateContent xmlns:mc="http://schemas.openxmlformats.org/markup-compatibility/2006">
+    <mc:Choice xmlns:p15="http://schemas.microsoft.com/office/powerpoint/2012/main" Requires="p15">
+      <p:transition xmlns:p14="http://schemas.microsoft.com/office/powerpoint/2010/main" spd="slow" p14:dur="1250">
+        <p15:prstTrans prst="peelOff"/>
+      </p:transition>
+    </mc:Choice>
+    <mc:Fallback>
+      <p:transition spd="slow">
+        <p:fade/>
+      </p:transition>
+    </mc:Fallback>
+  </mc:AlternateContent>
 </p:sld>
 </file>
 
@@ -9576,6 +9768,18 @@
   <p:clrMapOvr>
     <a:masterClrMapping/>
   </p:clrMapOvr>
+  <mc:AlternateContent xmlns:mc="http://schemas.openxmlformats.org/markup-compatibility/2006">
+    <mc:Choice xmlns:p15="http://schemas.microsoft.com/office/powerpoint/2012/main" Requires="p15">
+      <p:transition xmlns:p14="http://schemas.microsoft.com/office/powerpoint/2010/main" spd="slow" p14:dur="1250">
+        <p15:prstTrans prst="peelOff"/>
+      </p:transition>
+    </mc:Choice>
+    <mc:Fallback>
+      <p:transition spd="slow">
+        <p:fade/>
+      </p:transition>
+    </mc:Fallback>
+  </mc:AlternateContent>
 </p:sld>
 </file>
 
@@ -9803,6 +10007,18 @@
   <p:clrMapOvr>
     <a:masterClrMapping/>
   </p:clrMapOvr>
+  <mc:AlternateContent xmlns:mc="http://schemas.openxmlformats.org/markup-compatibility/2006">
+    <mc:Choice xmlns:p15="http://schemas.microsoft.com/office/powerpoint/2012/main" Requires="p15">
+      <p:transition xmlns:p14="http://schemas.microsoft.com/office/powerpoint/2010/main" spd="slow" p14:dur="1250">
+        <p15:prstTrans prst="peelOff"/>
+      </p:transition>
+    </mc:Choice>
+    <mc:Fallback>
+      <p:transition spd="slow">
+        <p:fade/>
+      </p:transition>
+    </mc:Fallback>
+  </mc:AlternateContent>
 </p:sld>
 </file>
 
@@ -10248,6 +10464,18 @@
   <p:clrMapOvr>
     <a:masterClrMapping/>
   </p:clrMapOvr>
+  <mc:AlternateContent xmlns:mc="http://schemas.openxmlformats.org/markup-compatibility/2006">
+    <mc:Choice xmlns:p15="http://schemas.microsoft.com/office/powerpoint/2012/main" Requires="p15">
+      <p:transition xmlns:p14="http://schemas.microsoft.com/office/powerpoint/2010/main" spd="slow" p14:dur="1250">
+        <p15:prstTrans prst="peelOff"/>
+      </p:transition>
+    </mc:Choice>
+    <mc:Fallback>
+      <p:transition spd="slow">
+        <p:fade/>
+      </p:transition>
+    </mc:Fallback>
+  </mc:AlternateContent>
   <p:timing>
     <p:tnLst>
       <p:par>
@@ -10937,6 +11165,18 @@
   <p:clrMapOvr>
     <a:masterClrMapping/>
   </p:clrMapOvr>
+  <mc:AlternateContent xmlns:mc="http://schemas.openxmlformats.org/markup-compatibility/2006">
+    <mc:Choice xmlns:p15="http://schemas.microsoft.com/office/powerpoint/2012/main" Requires="p15">
+      <p:transition xmlns:p14="http://schemas.microsoft.com/office/powerpoint/2010/main" spd="slow" p14:dur="1250">
+        <p15:prstTrans prst="peelOff"/>
+      </p:transition>
+    </mc:Choice>
+    <mc:Fallback>
+      <p:transition spd="slow">
+        <p:fade/>
+      </p:transition>
+    </mc:Fallback>
+  </mc:AlternateContent>
 </p:sld>
 </file>
 
